--- a/Documents/presentation.pptx
+++ b/Documents/presentation.pptx
@@ -5869,11 +5869,7 @@
           <a:p>
             <a:r>
               <a:rPr lang="el-GR" dirty="0" smtClean="0"/>
-              <a:t>       </a:t>
-            </a:r>
-            <a:r>
-              <a:rPr lang="el-GR" dirty="0" smtClean="0"/>
-              <a:t>Το πηγαίο κώδικα μπορείτε να τον βρείτε στο </a:t>
+              <a:t>       Το πηγαίο κώδικα μπορείτε να τον βρείτε στο </a:t>
             </a:r>
             <a:r>
               <a:rPr lang="en-US" dirty="0" smtClean="0">
@@ -5915,6 +5911,55 @@
               <a:rPr lang="en-US" dirty="0" smtClean="0"/>
               <a:t> </a:t>
             </a:r>
+            <a:endParaRPr lang="en-US" dirty="0" smtClean="0"/>
+          </a:p>
+          <a:p>
+            <a:endParaRPr lang="en-US" dirty="0"/>
+          </a:p>
+          <a:p>
+            <a:r>
+              <a:rPr lang="en-US" dirty="0" smtClean="0"/>
+              <a:t>	</a:t>
+            </a:r>
+            <a:r>
+              <a:rPr lang="el-GR" dirty="0" smtClean="0"/>
+              <a:t>Ένα </a:t>
+            </a:r>
+            <a:r>
+              <a:rPr lang="en-US" dirty="0" smtClean="0"/>
+              <a:t>demo </a:t>
+            </a:r>
+            <a:r>
+              <a:rPr lang="el-GR" dirty="0" smtClean="0"/>
+              <a:t>της πλατφόρμας βρίσκεται στο παρακάτω </a:t>
+            </a:r>
+            <a:r>
+              <a:rPr lang="en-US" dirty="0" smtClean="0"/>
+              <a:t>link</a:t>
+            </a:r>
+          </a:p>
+          <a:p>
+            <a:r>
+              <a:rPr lang="en-US" dirty="0"/>
+              <a:t>	</a:t>
+            </a:r>
+            <a:r>
+              <a:rPr lang="en-US" dirty="0">
+                <a:hlinkClick r:id="rId4"/>
+              </a:rPr>
+              <a:t>http://demo.katheni.com</a:t>
+            </a:r>
+            <a:r>
+              <a:rPr lang="en-US" dirty="0" smtClean="0">
+                <a:hlinkClick r:id="rId4"/>
+              </a:rPr>
+              <a:t>/</a:t>
+            </a:r>
+            <a:r>
+              <a:rPr lang="en-US" dirty="0" smtClean="0"/>
+              <a:t> </a:t>
+            </a:r>
+            <a:endParaRPr lang="en-US" dirty="0" smtClean="0"/>
           </a:p>
           <a:p>
             <a:endParaRPr lang="el-GR" dirty="0" smtClean="0"/>
